--- a/Sprint 3/Sprint3Presentation.pptx
+++ b/Sprint 3/Sprint3Presentation.pptx
@@ -9,7 +9,10 @@
     <p:sldId id="257" r:id="rId3"/>
     <p:sldId id="258" r:id="rId4"/>
     <p:sldId id="259" r:id="rId5"/>
-    <p:sldId id="260" r:id="rId6"/>
+    <p:sldId id="263" r:id="rId6"/>
+    <p:sldId id="260" r:id="rId7"/>
+    <p:sldId id="262" r:id="rId8"/>
+    <p:sldId id="261" r:id="rId9"/>
   </p:sldIdLst>
   <p:sldSz cx="12192000" cy="6858000"/>
   <p:notesSz cx="6858000" cy="9144000"/>
@@ -108,6 +111,11 @@
       </a:defRPr>
     </a:lvl9pPr>
   </p:defaultTextStyle>
+  <p:extLst>
+    <p:ext uri="{EFAFB233-063F-42B5-8137-9DF3F51BA10A}">
+      <p15:sldGuideLst xmlns:p15="http://schemas.microsoft.com/office/powerpoint/2012/main"/>
+    </p:ext>
+  </p:extLst>
 </p:presentation>
 </file>
 
@@ -614,7 +622,7 @@
             <a:fld id="{B61BEF0D-F0BB-DE4B-95CE-6DB70DBA9567}" type="datetimeFigureOut">
               <a:rPr lang="en-US" dirty="0"/>
               <a:pPr/>
-              <a:t>5/2/17</a:t>
+              <a:t>5/2/2017</a:t>
             </a:fld>
             <a:endParaRPr lang="en-US" dirty="0"/>
           </a:p>
@@ -907,7 +915,7 @@
             <a:fld id="{B61BEF0D-F0BB-DE4B-95CE-6DB70DBA9567}" type="datetimeFigureOut">
               <a:rPr lang="en-US" dirty="0"/>
               <a:pPr/>
-              <a:t>5/2/17</a:t>
+              <a:t>5/2/2017</a:t>
             </a:fld>
             <a:endParaRPr lang="en-US" dirty="0"/>
           </a:p>
@@ -1152,7 +1160,7 @@
             <a:fld id="{B61BEF0D-F0BB-DE4B-95CE-6DB70DBA9567}" type="datetimeFigureOut">
               <a:rPr lang="en-US" dirty="0"/>
               <a:pPr/>
-              <a:t>5/2/17</a:t>
+              <a:t>5/2/2017</a:t>
             </a:fld>
             <a:endParaRPr lang="en-US" dirty="0"/>
           </a:p>
@@ -1689,7 +1697,7 @@
             <a:fld id="{B61BEF0D-F0BB-DE4B-95CE-6DB70DBA9567}" type="datetimeFigureOut">
               <a:rPr lang="en-US" dirty="0"/>
               <a:pPr/>
-              <a:t>5/2/17</a:t>
+              <a:t>5/2/2017</a:t>
             </a:fld>
             <a:endParaRPr lang="en-US" dirty="0"/>
           </a:p>
@@ -1934,7 +1942,7 @@
             <a:fld id="{B61BEF0D-F0BB-DE4B-95CE-6DB70DBA9567}" type="datetimeFigureOut">
               <a:rPr lang="en-US" dirty="0"/>
               <a:pPr/>
-              <a:t>5/2/17</a:t>
+              <a:t>5/2/2017</a:t>
             </a:fld>
             <a:endParaRPr lang="en-US" dirty="0"/>
           </a:p>
@@ -2463,7 +2471,7 @@
             <a:fld id="{B61BEF0D-F0BB-DE4B-95CE-6DB70DBA9567}" type="datetimeFigureOut">
               <a:rPr lang="en-US" dirty="0"/>
               <a:pPr/>
-              <a:t>5/2/17</a:t>
+              <a:t>5/2/2017</a:t>
             </a:fld>
             <a:endParaRPr lang="en-US" dirty="0"/>
           </a:p>
@@ -2757,7 +2765,7 @@
             <a:fld id="{B61BEF0D-F0BB-DE4B-95CE-6DB70DBA9567}" type="datetimeFigureOut">
               <a:rPr lang="en-US" dirty="0"/>
               <a:pPr/>
-              <a:t>5/2/17</a:t>
+              <a:t>5/2/2017</a:t>
             </a:fld>
             <a:endParaRPr lang="en-US" dirty="0"/>
           </a:p>
@@ -2928,7 +2936,7 @@
             <a:fld id="{B61BEF0D-F0BB-DE4B-95CE-6DB70DBA9567}" type="datetimeFigureOut">
               <a:rPr lang="en-US" dirty="0"/>
               <a:pPr/>
-              <a:t>5/2/17</a:t>
+              <a:t>5/2/2017</a:t>
             </a:fld>
             <a:endParaRPr lang="en-US" dirty="0"/>
           </a:p>
@@ -3105,7 +3113,7 @@
             <a:fld id="{B61BEF0D-F0BB-DE4B-95CE-6DB70DBA9567}" type="datetimeFigureOut">
               <a:rPr lang="en-US" dirty="0"/>
               <a:pPr/>
-              <a:t>5/2/17</a:t>
+              <a:t>5/2/2017</a:t>
             </a:fld>
             <a:endParaRPr lang="en-US" dirty="0"/>
           </a:p>
@@ -3272,7 +3280,7 @@
             <a:fld id="{B61BEF0D-F0BB-DE4B-95CE-6DB70DBA9567}" type="datetimeFigureOut">
               <a:rPr lang="en-US" dirty="0"/>
               <a:pPr/>
-              <a:t>5/2/17</a:t>
+              <a:t>5/2/2017</a:t>
             </a:fld>
             <a:endParaRPr lang="en-US" dirty="0"/>
           </a:p>
@@ -3520,7 +3528,7 @@
             <a:fld id="{B61BEF0D-F0BB-DE4B-95CE-6DB70DBA9567}" type="datetimeFigureOut">
               <a:rPr lang="en-US" dirty="0"/>
               <a:pPr/>
-              <a:t>5/2/17</a:t>
+              <a:t>5/2/2017</a:t>
             </a:fld>
             <a:endParaRPr lang="en-US" dirty="0"/>
           </a:p>
@@ -3814,7 +3822,7 @@
             <a:fld id="{B61BEF0D-F0BB-DE4B-95CE-6DB70DBA9567}" type="datetimeFigureOut">
               <a:rPr lang="en-US" dirty="0"/>
               <a:pPr/>
-              <a:t>5/2/17</a:t>
+              <a:t>5/2/2017</a:t>
             </a:fld>
             <a:endParaRPr lang="en-US" dirty="0"/>
           </a:p>
@@ -4253,7 +4261,7 @@
             <a:fld id="{B61BEF0D-F0BB-DE4B-95CE-6DB70DBA9567}" type="datetimeFigureOut">
               <a:rPr lang="en-US" dirty="0"/>
               <a:pPr/>
-              <a:t>5/2/17</a:t>
+              <a:t>5/2/2017</a:t>
             </a:fld>
             <a:endParaRPr lang="en-US" dirty="0"/>
           </a:p>
@@ -4368,7 +4376,7 @@
             <a:fld id="{B61BEF0D-F0BB-DE4B-95CE-6DB70DBA9567}" type="datetimeFigureOut">
               <a:rPr lang="en-US" dirty="0"/>
               <a:pPr/>
-              <a:t>5/2/17</a:t>
+              <a:t>5/2/2017</a:t>
             </a:fld>
             <a:endParaRPr lang="en-US" dirty="0"/>
           </a:p>
@@ -4460,7 +4468,7 @@
             <a:fld id="{B61BEF0D-F0BB-DE4B-95CE-6DB70DBA9567}" type="datetimeFigureOut">
               <a:rPr lang="en-US" dirty="0"/>
               <a:pPr/>
-              <a:t>5/2/17</a:t>
+              <a:t>5/2/2017</a:t>
             </a:fld>
             <a:endParaRPr lang="en-US" dirty="0"/>
           </a:p>
@@ -4740,7 +4748,7 @@
             <a:fld id="{B61BEF0D-F0BB-DE4B-95CE-6DB70DBA9567}" type="datetimeFigureOut">
               <a:rPr lang="en-US" dirty="0"/>
               <a:pPr/>
-              <a:t>5/2/17</a:t>
+              <a:t>5/2/2017</a:t>
             </a:fld>
             <a:endParaRPr lang="en-US" dirty="0"/>
           </a:p>
@@ -5028,7 +5036,7 @@
             <a:fld id="{B61BEF0D-F0BB-DE4B-95CE-6DB70DBA9567}" type="datetimeFigureOut">
               <a:rPr lang="en-US" dirty="0"/>
               <a:pPr/>
-              <a:t>5/2/17</a:t>
+              <a:t>5/2/2017</a:t>
             </a:fld>
             <a:endParaRPr lang="en-US" dirty="0"/>
           </a:p>
@@ -5555,7 +5563,7 @@
             <a:fld id="{B61BEF0D-F0BB-DE4B-95CE-6DB70DBA9567}" type="datetimeFigureOut">
               <a:rPr lang="en-US" dirty="0"/>
               <a:pPr/>
-              <a:t>5/2/17</a:t>
+              <a:t>5/2/2017</a:t>
             </a:fld>
             <a:endParaRPr lang="en-US" dirty="0"/>
           </a:p>
@@ -6564,7 +6572,7 @@
       </p:sp>
       <p:sp>
         <p:nvSpPr>
-          <p:cNvPr id="3" name="Content Placeholder 2"/>
+          <p:cNvPr id="5" name="Content Placeholder 4"/>
           <p:cNvSpPr>
             <a:spLocks noGrp="1"/>
           </p:cNvSpPr>
@@ -6572,12 +6580,404 @@
             <p:ph idx="1"/>
           </p:nvPr>
         </p:nvSpPr>
-        <p:spPr/>
-        <p:txBody>
-          <a:bodyPr/>
+        <p:spPr>
+          <a:xfrm>
+            <a:off x="6143481" y="1234070"/>
+            <a:ext cx="5216523" cy="3185530"/>
+          </a:xfrm>
+        </p:spPr>
+        <p:txBody>
+          <a:bodyPr>
+            <a:normAutofit/>
+          </a:bodyPr>
           <a:lstStyle/>
           <a:p>
-            <a:endParaRPr lang="en-US"/>
+            <a:pPr marL="0" indent="0">
+              <a:buSzPct val="100000"/>
+              <a:buNone/>
+            </a:pPr>
+            <a:r>
+              <a:rPr lang="en-US" b="1" dirty="0" smtClean="0"/>
+              <a:t>Equivalence Classes:</a:t>
+            </a:r>
+          </a:p>
+          <a:p>
+            <a:pPr marL="0" indent="0">
+              <a:buSzPct val="100000"/>
+              <a:buNone/>
+            </a:pPr>
+            <a:r>
+              <a:rPr lang="en-US" dirty="0" smtClean="0"/>
+              <a:t>For each neighbor:</a:t>
+            </a:r>
+          </a:p>
+          <a:p>
+            <a:pPr>
+              <a:buSzPct val="100000"/>
+              <a:buFont typeface="Arial" panose="020B0604020202020204" pitchFamily="34" charset="0"/>
+              <a:buChar char="•"/>
+            </a:pPr>
+            <a:r>
+              <a:rPr lang="en-US" sz="2000" dirty="0" err="1" smtClean="0"/>
+              <a:t>TileModel</a:t>
+            </a:r>
+            <a:r>
+              <a:rPr lang="en-US" sz="2000" dirty="0" smtClean="0"/>
+              <a:t> north : {null, not null}</a:t>
+            </a:r>
+          </a:p>
+          <a:p>
+            <a:pPr>
+              <a:buSzPct val="100000"/>
+              <a:buFont typeface="Arial" panose="020B0604020202020204" pitchFamily="34" charset="0"/>
+              <a:buChar char="•"/>
+            </a:pPr>
+            <a:r>
+              <a:rPr lang="en-US" sz="2000" dirty="0" smtClean="0"/>
+              <a:t>Boolean </a:t>
+            </a:r>
+            <a:r>
+              <a:rPr lang="en-US" sz="2000" dirty="0" err="1" smtClean="0"/>
+              <a:t>north.isBlank</a:t>
+            </a:r>
+            <a:r>
+              <a:rPr lang="en-US" sz="2000" dirty="0" smtClean="0"/>
+              <a:t>() : {T, F}</a:t>
+            </a:r>
+          </a:p>
+          <a:p>
+            <a:pPr marL="0" indent="0">
+              <a:buSzPct val="100000"/>
+              <a:buNone/>
+            </a:pPr>
+            <a:r>
+              <a:rPr lang="en-US" dirty="0" smtClean="0"/>
+              <a:t>Outputs:</a:t>
+            </a:r>
+          </a:p>
+          <a:p>
+            <a:pPr>
+              <a:buSzPct val="100000"/>
+              <a:buFont typeface="Arial" panose="020B0604020202020204" pitchFamily="34" charset="0"/>
+              <a:buChar char="•"/>
+            </a:pPr>
+            <a:r>
+              <a:rPr lang="en-US" sz="2000" dirty="0" smtClean="0"/>
+              <a:t>Array length : {0-8}</a:t>
+            </a:r>
+            <a:endParaRPr lang="en-US" sz="2000" dirty="0"/>
+          </a:p>
+        </p:txBody>
+      </p:sp>
+      <p:pic>
+        <p:nvPicPr>
+          <p:cNvPr id="6" name="Content Placeholder 3"/>
+          <p:cNvPicPr>
+            <a:picLocks noChangeAspect="1"/>
+          </p:cNvPicPr>
+          <p:nvPr/>
+        </p:nvPicPr>
+        <p:blipFill>
+          <a:blip r:embed="rId2"/>
+          <a:stretch>
+            <a:fillRect/>
+          </a:stretch>
+        </p:blipFill>
+        <p:spPr>
+          <a:xfrm>
+            <a:off x="622301" y="1427241"/>
+            <a:ext cx="4775200" cy="5155047"/>
+          </a:xfrm>
+          <a:prstGeom prst="rect">
+            <a:avLst/>
+          </a:prstGeom>
+        </p:spPr>
+      </p:pic>
+      <p:sp>
+        <p:nvSpPr>
+          <p:cNvPr id="8" name="Content Placeholder 4"/>
+          <p:cNvSpPr txBox="1">
+            <a:spLocks/>
+          </p:cNvSpPr>
+          <p:nvPr/>
+        </p:nvSpPr>
+        <p:spPr>
+          <a:xfrm>
+            <a:off x="6143482" y="4510670"/>
+            <a:ext cx="5216523" cy="2071618"/>
+          </a:xfrm>
+          <a:prstGeom prst="rect">
+            <a:avLst/>
+          </a:prstGeom>
+        </p:spPr>
+        <p:txBody>
+          <a:bodyPr vert="horz" lIns="91440" tIns="45720" rIns="91440" bIns="45720" rtlCol="0" anchor="ctr">
+            <a:normAutofit/>
+          </a:bodyPr>
+          <a:lstStyle>
+            <a:lvl1pPr marL="285750" indent="-285750" algn="l" defTabSz="457200" rtl="0" eaLnBrk="1" latinLnBrk="0" hangingPunct="1">
+              <a:spcBef>
+                <a:spcPct val="20000"/>
+              </a:spcBef>
+              <a:spcAft>
+                <a:spcPts val="600"/>
+              </a:spcAft>
+              <a:buClr>
+                <a:schemeClr val="accent1">
+                  <a:lumMod val="75000"/>
+                </a:schemeClr>
+              </a:buClr>
+              <a:buSzPct val="145000"/>
+              <a:buFont typeface="Arial"/>
+              <a:buChar char="•"/>
+              <a:defRPr sz="2400" kern="1200" cap="none">
+                <a:solidFill>
+                  <a:schemeClr val="tx1"/>
+                </a:solidFill>
+                <a:effectLst/>
+                <a:latin typeface="+mn-lt"/>
+                <a:ea typeface="+mn-ea"/>
+                <a:cs typeface="+mn-cs"/>
+              </a:defRPr>
+            </a:lvl1pPr>
+            <a:lvl2pPr marL="742950" indent="-285750" algn="l" defTabSz="457200" rtl="0" eaLnBrk="1" latinLnBrk="0" hangingPunct="1">
+              <a:spcBef>
+                <a:spcPct val="20000"/>
+              </a:spcBef>
+              <a:spcAft>
+                <a:spcPts val="600"/>
+              </a:spcAft>
+              <a:buClr>
+                <a:schemeClr val="accent1">
+                  <a:lumMod val="75000"/>
+                </a:schemeClr>
+              </a:buClr>
+              <a:buSzPct val="145000"/>
+              <a:buFont typeface="Arial"/>
+              <a:buChar char="•"/>
+              <a:defRPr sz="2000" kern="1200" cap="none">
+                <a:solidFill>
+                  <a:schemeClr val="tx1"/>
+                </a:solidFill>
+                <a:effectLst/>
+                <a:latin typeface="+mn-lt"/>
+                <a:ea typeface="+mn-ea"/>
+                <a:cs typeface="+mn-cs"/>
+              </a:defRPr>
+            </a:lvl2pPr>
+            <a:lvl3pPr marL="1200150" indent="-285750" algn="l" defTabSz="457200" rtl="0" eaLnBrk="1" latinLnBrk="0" hangingPunct="1">
+              <a:spcBef>
+                <a:spcPct val="20000"/>
+              </a:spcBef>
+              <a:spcAft>
+                <a:spcPts val="600"/>
+              </a:spcAft>
+              <a:buClr>
+                <a:schemeClr val="accent1">
+                  <a:lumMod val="75000"/>
+                </a:schemeClr>
+              </a:buClr>
+              <a:buSzPct val="145000"/>
+              <a:buFont typeface="Arial"/>
+              <a:buChar char="•"/>
+              <a:defRPr sz="1800" kern="1200" cap="none">
+                <a:solidFill>
+                  <a:schemeClr val="tx1"/>
+                </a:solidFill>
+                <a:effectLst/>
+                <a:latin typeface="+mn-lt"/>
+                <a:ea typeface="+mn-ea"/>
+                <a:cs typeface="+mn-cs"/>
+              </a:defRPr>
+            </a:lvl3pPr>
+            <a:lvl4pPr marL="1543050" indent="-171450" algn="l" defTabSz="457200" rtl="0" eaLnBrk="1" latinLnBrk="0" hangingPunct="1">
+              <a:spcBef>
+                <a:spcPct val="20000"/>
+              </a:spcBef>
+              <a:spcAft>
+                <a:spcPts val="600"/>
+              </a:spcAft>
+              <a:buClr>
+                <a:schemeClr val="accent1">
+                  <a:lumMod val="75000"/>
+                </a:schemeClr>
+              </a:buClr>
+              <a:buSzPct val="145000"/>
+              <a:buFont typeface="Arial"/>
+              <a:buChar char="•"/>
+              <a:defRPr sz="1600" kern="1200" cap="none">
+                <a:solidFill>
+                  <a:schemeClr val="tx1"/>
+                </a:solidFill>
+                <a:effectLst/>
+                <a:latin typeface="+mn-lt"/>
+                <a:ea typeface="+mn-ea"/>
+                <a:cs typeface="+mn-cs"/>
+              </a:defRPr>
+            </a:lvl4pPr>
+            <a:lvl5pPr marL="2000250" indent="-171450" algn="l" defTabSz="457200" rtl="0" eaLnBrk="1" latinLnBrk="0" hangingPunct="1">
+              <a:spcBef>
+                <a:spcPct val="20000"/>
+              </a:spcBef>
+              <a:spcAft>
+                <a:spcPts val="600"/>
+              </a:spcAft>
+              <a:buClr>
+                <a:schemeClr val="accent1">
+                  <a:lumMod val="75000"/>
+                </a:schemeClr>
+              </a:buClr>
+              <a:buSzPct val="145000"/>
+              <a:buFont typeface="Arial"/>
+              <a:buChar char="•"/>
+              <a:defRPr sz="1400" kern="1200" cap="none">
+                <a:solidFill>
+                  <a:schemeClr val="tx1"/>
+                </a:solidFill>
+                <a:effectLst/>
+                <a:latin typeface="+mn-lt"/>
+                <a:ea typeface="+mn-ea"/>
+                <a:cs typeface="+mn-cs"/>
+              </a:defRPr>
+            </a:lvl5pPr>
+            <a:lvl6pPr marL="2514600" indent="-228600" algn="l" defTabSz="457200" rtl="0" eaLnBrk="1" latinLnBrk="0" hangingPunct="1">
+              <a:spcBef>
+                <a:spcPct val="20000"/>
+              </a:spcBef>
+              <a:spcAft>
+                <a:spcPts val="600"/>
+              </a:spcAft>
+              <a:buClr>
+                <a:schemeClr val="accent1">
+                  <a:lumMod val="75000"/>
+                </a:schemeClr>
+              </a:buClr>
+              <a:buSzPct val="145000"/>
+              <a:buFont typeface="Arial"/>
+              <a:buChar char="•"/>
+              <a:defRPr sz="1400" kern="1200" cap="none">
+                <a:solidFill>
+                  <a:schemeClr val="tx1"/>
+                </a:solidFill>
+                <a:effectLst/>
+                <a:latin typeface="+mn-lt"/>
+                <a:ea typeface="+mn-ea"/>
+                <a:cs typeface="+mn-cs"/>
+              </a:defRPr>
+            </a:lvl6pPr>
+            <a:lvl7pPr marL="2971800" indent="-228600" algn="l" defTabSz="457200" rtl="0" eaLnBrk="1" latinLnBrk="0" hangingPunct="1">
+              <a:spcBef>
+                <a:spcPct val="20000"/>
+              </a:spcBef>
+              <a:spcAft>
+                <a:spcPts val="600"/>
+              </a:spcAft>
+              <a:buClr>
+                <a:schemeClr val="accent1">
+                  <a:lumMod val="75000"/>
+                </a:schemeClr>
+              </a:buClr>
+              <a:buSzPct val="145000"/>
+              <a:buFont typeface="Arial"/>
+              <a:buChar char="•"/>
+              <a:defRPr sz="1400" kern="1200" cap="none">
+                <a:solidFill>
+                  <a:schemeClr val="tx1"/>
+                </a:solidFill>
+                <a:effectLst/>
+                <a:latin typeface="+mn-lt"/>
+                <a:ea typeface="+mn-ea"/>
+                <a:cs typeface="+mn-cs"/>
+              </a:defRPr>
+            </a:lvl7pPr>
+            <a:lvl8pPr marL="3429000" indent="-228600" algn="l" defTabSz="457200" rtl="0" eaLnBrk="1" latinLnBrk="0" hangingPunct="1">
+              <a:spcBef>
+                <a:spcPct val="20000"/>
+              </a:spcBef>
+              <a:spcAft>
+                <a:spcPts val="600"/>
+              </a:spcAft>
+              <a:buClr>
+                <a:schemeClr val="accent1">
+                  <a:lumMod val="75000"/>
+                </a:schemeClr>
+              </a:buClr>
+              <a:buSzPct val="145000"/>
+              <a:buFont typeface="Arial"/>
+              <a:buChar char="•"/>
+              <a:defRPr sz="1400" kern="1200" cap="none">
+                <a:solidFill>
+                  <a:schemeClr val="tx1"/>
+                </a:solidFill>
+                <a:effectLst/>
+                <a:latin typeface="+mn-lt"/>
+                <a:ea typeface="+mn-ea"/>
+                <a:cs typeface="+mn-cs"/>
+              </a:defRPr>
+            </a:lvl8pPr>
+            <a:lvl9pPr marL="3886200" indent="-228600" algn="l" defTabSz="457200" rtl="0" eaLnBrk="1" latinLnBrk="0" hangingPunct="1">
+              <a:spcBef>
+                <a:spcPct val="20000"/>
+              </a:spcBef>
+              <a:spcAft>
+                <a:spcPts val="600"/>
+              </a:spcAft>
+              <a:buClr>
+                <a:schemeClr val="accent1">
+                  <a:lumMod val="75000"/>
+                </a:schemeClr>
+              </a:buClr>
+              <a:buSzPct val="145000"/>
+              <a:buFont typeface="Arial"/>
+              <a:buChar char="•"/>
+              <a:defRPr sz="1400" kern="1200" cap="none">
+                <a:solidFill>
+                  <a:schemeClr val="tx1"/>
+                </a:solidFill>
+                <a:effectLst/>
+                <a:latin typeface="+mn-lt"/>
+                <a:ea typeface="+mn-ea"/>
+                <a:cs typeface="+mn-cs"/>
+              </a:defRPr>
+            </a:lvl9pPr>
+          </a:lstStyle>
+          <a:p>
+            <a:pPr marL="0" indent="0">
+              <a:buFont typeface="Arial"/>
+              <a:buNone/>
+            </a:pPr>
+            <a:r>
+              <a:rPr lang="en-US" b="1" dirty="0" smtClean="0"/>
+              <a:t>Test Cases:</a:t>
+            </a:r>
+          </a:p>
+          <a:p>
+            <a:pPr marL="0" indent="0">
+              <a:buNone/>
+            </a:pPr>
+            <a:r>
+              <a:rPr lang="en-US" dirty="0" smtClean="0"/>
+              <a:t>1) All null </a:t>
+            </a:r>
+          </a:p>
+          <a:p>
+            <a:pPr marL="0" indent="0">
+              <a:buNone/>
+            </a:pPr>
+            <a:r>
+              <a:rPr lang="en-US" dirty="0" smtClean="0"/>
+              <a:t>2) All blank</a:t>
+            </a:r>
+          </a:p>
+          <a:p>
+            <a:pPr marL="0" indent="0">
+              <a:buNone/>
+            </a:pPr>
+            <a:r>
+              <a:rPr lang="en-US" dirty="0" smtClean="0"/>
+              <a:t>3) All non-null and non-blank</a:t>
+            </a:r>
+            <a:endParaRPr lang="en-US" dirty="0"/>
           </a:p>
         </p:txBody>
       </p:sp>
@@ -6623,6 +7023,152 @@
         </p:nvSpPr>
         <p:spPr>
           <a:xfrm>
+            <a:off x="1484310" y="0"/>
+            <a:ext cx="10018713" cy="1752599"/>
+          </a:xfrm>
+        </p:spPr>
+        <p:txBody>
+          <a:bodyPr/>
+          <a:lstStyle/>
+          <a:p>
+            <a:r>
+              <a:rPr lang="en-US" dirty="0" err="1" smtClean="0">
+                <a:latin typeface="Arial Rounded MT Bold" charset="0"/>
+                <a:ea typeface="Arial Rounded MT Bold" charset="0"/>
+                <a:cs typeface="Arial Rounded MT Bold" charset="0"/>
+              </a:rPr>
+              <a:t>Blackbox</a:t>
+            </a:r>
+            <a:r>
+              <a:rPr lang="en-US" dirty="0" smtClean="0">
+                <a:latin typeface="Arial Rounded MT Bold" charset="0"/>
+                <a:ea typeface="Arial Rounded MT Bold" charset="0"/>
+                <a:cs typeface="Arial Rounded MT Bold" charset="0"/>
+              </a:rPr>
+              <a:t> Testing</a:t>
+            </a:r>
+            <a:endParaRPr lang="en-US" dirty="0">
+              <a:latin typeface="Arial Rounded MT Bold" charset="0"/>
+              <a:ea typeface="Arial Rounded MT Bold" charset="0"/>
+              <a:cs typeface="Arial Rounded MT Bold" charset="0"/>
+            </a:endParaRPr>
+          </a:p>
+        </p:txBody>
+      </p:sp>
+      <p:pic>
+        <p:nvPicPr>
+          <p:cNvPr id="4" name="Picture 3"/>
+          <p:cNvPicPr>
+            <a:picLocks noChangeAspect="1"/>
+          </p:cNvPicPr>
+          <p:nvPr/>
+        </p:nvPicPr>
+        <p:blipFill>
+          <a:blip r:embed="rId2"/>
+          <a:stretch>
+            <a:fillRect/>
+          </a:stretch>
+        </p:blipFill>
+        <p:spPr>
+          <a:xfrm>
+            <a:off x="1484311" y="1253447"/>
+            <a:ext cx="3499134" cy="1388154"/>
+          </a:xfrm>
+          <a:prstGeom prst="rect">
+            <a:avLst/>
+          </a:prstGeom>
+        </p:spPr>
+      </p:pic>
+      <p:pic>
+        <p:nvPicPr>
+          <p:cNvPr id="8" name="Picture 7"/>
+          <p:cNvPicPr>
+            <a:picLocks noChangeAspect="1"/>
+          </p:cNvPicPr>
+          <p:nvPr/>
+        </p:nvPicPr>
+        <p:blipFill>
+          <a:blip r:embed="rId3"/>
+          <a:stretch>
+            <a:fillRect/>
+          </a:stretch>
+        </p:blipFill>
+        <p:spPr>
+          <a:xfrm>
+            <a:off x="1484310" y="2894011"/>
+            <a:ext cx="3519490" cy="3737363"/>
+          </a:xfrm>
+          <a:prstGeom prst="rect">
+            <a:avLst/>
+          </a:prstGeom>
+        </p:spPr>
+      </p:pic>
+      <p:pic>
+        <p:nvPicPr>
+          <p:cNvPr id="9" name="Picture 8"/>
+          <p:cNvPicPr>
+            <a:picLocks noChangeAspect="1"/>
+          </p:cNvPicPr>
+          <p:nvPr/>
+        </p:nvPicPr>
+        <p:blipFill>
+          <a:blip r:embed="rId4"/>
+          <a:stretch>
+            <a:fillRect/>
+          </a:stretch>
+        </p:blipFill>
+        <p:spPr>
+          <a:xfrm>
+            <a:off x="6502400" y="1500967"/>
+            <a:ext cx="3706016" cy="4944282"/>
+          </a:xfrm>
+          <a:prstGeom prst="rect">
+            <a:avLst/>
+          </a:prstGeom>
+        </p:spPr>
+      </p:pic>
+    </p:spTree>
+    <p:extLst>
+      <p:ext uri="{BB962C8B-B14F-4D97-AF65-F5344CB8AC3E}">
+        <p14:creationId xmlns:p14="http://schemas.microsoft.com/office/powerpoint/2010/main" val="3864479070"/>
+      </p:ext>
+    </p:extLst>
+  </p:cSld>
+  <p:clrMapOvr>
+    <a:masterClrMapping/>
+  </p:clrMapOvr>
+</p:sld>
+</file>
+
+<file path=ppt/slides/slide6.xml><?xml version="1.0" encoding="utf-8"?>
+<p:sld xmlns:a="http://schemas.openxmlformats.org/drawingml/2006/main" xmlns:r="http://schemas.openxmlformats.org/officeDocument/2006/relationships" xmlns:p="http://schemas.openxmlformats.org/presentationml/2006/main">
+  <p:cSld>
+    <p:spTree>
+      <p:nvGrpSpPr>
+        <p:cNvPr id="1" name=""/>
+        <p:cNvGrpSpPr/>
+        <p:nvPr/>
+      </p:nvGrpSpPr>
+      <p:grpSpPr>
+        <a:xfrm>
+          <a:off x="0" y="0"/>
+          <a:ext cx="0" cy="0"/>
+          <a:chOff x="0" y="0"/>
+          <a:chExt cx="0" cy="0"/>
+        </a:xfrm>
+      </p:grpSpPr>
+      <p:sp>
+        <p:nvSpPr>
+          <p:cNvPr id="2" name="Title 1"/>
+          <p:cNvSpPr>
+            <a:spLocks noGrp="1"/>
+          </p:cNvSpPr>
+          <p:nvPr>
+            <p:ph type="title"/>
+          </p:nvPr>
+        </p:nvSpPr>
+        <p:spPr>
+          <a:xfrm>
             <a:off x="1484309" y="0"/>
             <a:ext cx="10018713" cy="1752599"/>
           </a:xfrm>
@@ -6655,22 +7201,404 @@
           </a:p>
         </p:txBody>
       </p:sp>
-      <p:sp>
-        <p:nvSpPr>
-          <p:cNvPr id="3" name="Content Placeholder 2"/>
-          <p:cNvSpPr>
-            <a:spLocks noGrp="1"/>
-          </p:cNvSpPr>
-          <p:nvPr>
-            <p:ph idx="1"/>
-          </p:nvPr>
-        </p:nvSpPr>
-        <p:spPr/>
-        <p:txBody>
-          <a:bodyPr/>
+      <p:pic>
+        <p:nvPicPr>
+          <p:cNvPr id="5" name="Content Placeholder 3"/>
+          <p:cNvPicPr>
+            <a:picLocks noChangeAspect="1"/>
+          </p:cNvPicPr>
+          <p:nvPr/>
+        </p:nvPicPr>
+        <p:blipFill>
+          <a:blip r:embed="rId2"/>
+          <a:stretch>
+            <a:fillRect/>
+          </a:stretch>
+        </p:blipFill>
+        <p:spPr>
+          <a:xfrm>
+            <a:off x="1046327" y="1234070"/>
+            <a:ext cx="4954137" cy="5348218"/>
+          </a:xfrm>
+          <a:prstGeom prst="rect">
+            <a:avLst/>
+          </a:prstGeom>
+        </p:spPr>
+      </p:pic>
+      <p:sp>
+        <p:nvSpPr>
+          <p:cNvPr id="9" name="Rectangle 8"/>
+          <p:cNvSpPr/>
+          <p:nvPr/>
+        </p:nvSpPr>
+        <p:spPr>
+          <a:xfrm>
+            <a:off x="6680200" y="2082800"/>
+            <a:ext cx="4822822" cy="660400"/>
+          </a:xfrm>
+          <a:prstGeom prst="rect">
+            <a:avLst/>
+          </a:prstGeom>
+        </p:spPr>
+        <p:style>
+          <a:lnRef idx="2">
+            <a:schemeClr val="accent1">
+              <a:shade val="50000"/>
+            </a:schemeClr>
+          </a:lnRef>
+          <a:fillRef idx="1">
+            <a:schemeClr val="accent1"/>
+          </a:fillRef>
+          <a:effectRef idx="0">
+            <a:schemeClr val="accent1"/>
+          </a:effectRef>
+          <a:fontRef idx="minor">
+            <a:schemeClr val="lt1"/>
+          </a:fontRef>
+        </p:style>
+        <p:txBody>
+          <a:bodyPr rtlCol="0" anchor="ctr"/>
           <a:lstStyle/>
           <a:p>
-            <a:endParaRPr lang="en-US"/>
+            <a:pPr algn="ctr"/>
+            <a:r>
+              <a:rPr lang="en-US" dirty="0" smtClean="0"/>
+              <a:t>north</a:t>
+            </a:r>
+            <a:endParaRPr lang="en-US" dirty="0"/>
+          </a:p>
+        </p:txBody>
+      </p:sp>
+      <p:sp>
+        <p:nvSpPr>
+          <p:cNvPr id="10" name="Rectangle 9"/>
+          <p:cNvSpPr/>
+          <p:nvPr/>
+        </p:nvSpPr>
+        <p:spPr>
+          <a:xfrm>
+            <a:off x="6680200" y="5533779"/>
+            <a:ext cx="4822822" cy="660400"/>
+          </a:xfrm>
+          <a:prstGeom prst="rect">
+            <a:avLst/>
+          </a:prstGeom>
+        </p:spPr>
+        <p:style>
+          <a:lnRef idx="2">
+            <a:schemeClr val="accent1">
+              <a:shade val="50000"/>
+            </a:schemeClr>
+          </a:lnRef>
+          <a:fillRef idx="1">
+            <a:schemeClr val="accent1"/>
+          </a:fillRef>
+          <a:effectRef idx="0">
+            <a:schemeClr val="accent1"/>
+          </a:effectRef>
+          <a:fontRef idx="minor">
+            <a:schemeClr val="lt1"/>
+          </a:fontRef>
+        </p:style>
+        <p:txBody>
+          <a:bodyPr rtlCol="0" anchor="ctr"/>
+          <a:lstStyle/>
+          <a:p>
+            <a:pPr algn="ctr"/>
+            <a:r>
+              <a:rPr lang="en-US" dirty="0" smtClean="0"/>
+              <a:t>south</a:t>
+            </a:r>
+            <a:endParaRPr lang="en-US" dirty="0"/>
+          </a:p>
+        </p:txBody>
+      </p:sp>
+      <p:sp>
+        <p:nvSpPr>
+          <p:cNvPr id="11" name="Rectangle 10"/>
+          <p:cNvSpPr/>
+          <p:nvPr/>
+        </p:nvSpPr>
+        <p:spPr>
+          <a:xfrm>
+            <a:off x="9766300" y="3746632"/>
+            <a:ext cx="1736722" cy="660400"/>
+          </a:xfrm>
+          <a:prstGeom prst="rect">
+            <a:avLst/>
+          </a:prstGeom>
+        </p:spPr>
+        <p:style>
+          <a:lnRef idx="2">
+            <a:schemeClr val="accent1">
+              <a:shade val="50000"/>
+            </a:schemeClr>
+          </a:lnRef>
+          <a:fillRef idx="1">
+            <a:schemeClr val="accent1"/>
+          </a:fillRef>
+          <a:effectRef idx="0">
+            <a:schemeClr val="accent1"/>
+          </a:effectRef>
+          <a:fontRef idx="minor">
+            <a:schemeClr val="lt1"/>
+          </a:fontRef>
+        </p:style>
+        <p:txBody>
+          <a:bodyPr rtlCol="0" anchor="ctr"/>
+          <a:lstStyle/>
+          <a:p>
+            <a:pPr algn="ctr"/>
+            <a:r>
+              <a:rPr lang="en-US" dirty="0" smtClean="0"/>
+              <a:t>Add to array</a:t>
+            </a:r>
+            <a:endParaRPr lang="en-US" dirty="0"/>
+          </a:p>
+        </p:txBody>
+      </p:sp>
+      <p:cxnSp>
+        <p:nvCxnSpPr>
+          <p:cNvPr id="15" name="Straight Arrow Connector 14"/>
+          <p:cNvCxnSpPr>
+            <a:stCxn id="9" idx="2"/>
+            <a:endCxn id="10" idx="0"/>
+          </p:cNvCxnSpPr>
+          <p:nvPr/>
+        </p:nvCxnSpPr>
+        <p:spPr>
+          <a:xfrm>
+            <a:off x="9091611" y="2743200"/>
+            <a:ext cx="0" cy="2790579"/>
+          </a:xfrm>
+          <a:prstGeom prst="straightConnector1">
+            <a:avLst/>
+          </a:prstGeom>
+          <a:ln w="76200">
+            <a:solidFill>
+              <a:schemeClr val="tx1"/>
+            </a:solidFill>
+            <a:tailEnd type="triangle"/>
+          </a:ln>
+        </p:spPr>
+        <p:style>
+          <a:lnRef idx="1">
+            <a:schemeClr val="accent1"/>
+          </a:lnRef>
+          <a:fillRef idx="0">
+            <a:schemeClr val="accent1"/>
+          </a:fillRef>
+          <a:effectRef idx="0">
+            <a:schemeClr val="accent1"/>
+          </a:effectRef>
+          <a:fontRef idx="minor">
+            <a:schemeClr val="tx1"/>
+          </a:fontRef>
+        </p:style>
+      </p:cxnSp>
+      <p:cxnSp>
+        <p:nvCxnSpPr>
+          <p:cNvPr id="16" name="Straight Arrow Connector 15"/>
+          <p:cNvCxnSpPr/>
+          <p:nvPr/>
+        </p:nvCxnSpPr>
+        <p:spPr>
+          <a:xfrm>
+            <a:off x="7313611" y="2743200"/>
+            <a:ext cx="0" cy="2790579"/>
+          </a:xfrm>
+          <a:prstGeom prst="straightConnector1">
+            <a:avLst/>
+          </a:prstGeom>
+          <a:ln w="76200">
+            <a:solidFill>
+              <a:schemeClr val="tx1"/>
+            </a:solidFill>
+            <a:tailEnd type="triangle"/>
+          </a:ln>
+        </p:spPr>
+        <p:style>
+          <a:lnRef idx="1">
+            <a:schemeClr val="accent1"/>
+          </a:lnRef>
+          <a:fillRef idx="0">
+            <a:schemeClr val="accent1"/>
+          </a:fillRef>
+          <a:effectRef idx="0">
+            <a:schemeClr val="accent1"/>
+          </a:effectRef>
+          <a:fontRef idx="minor">
+            <a:schemeClr val="tx1"/>
+          </a:fontRef>
+        </p:style>
+      </p:cxnSp>
+      <p:cxnSp>
+        <p:nvCxnSpPr>
+          <p:cNvPr id="17" name="Straight Arrow Connector 16"/>
+          <p:cNvCxnSpPr/>
+          <p:nvPr/>
+        </p:nvCxnSpPr>
+        <p:spPr>
+          <a:xfrm>
+            <a:off x="10742611" y="2743200"/>
+            <a:ext cx="0" cy="1003432"/>
+          </a:xfrm>
+          <a:prstGeom prst="straightConnector1">
+            <a:avLst/>
+          </a:prstGeom>
+          <a:ln w="76200">
+            <a:solidFill>
+              <a:schemeClr val="tx1"/>
+            </a:solidFill>
+            <a:tailEnd type="triangle"/>
+          </a:ln>
+        </p:spPr>
+        <p:style>
+          <a:lnRef idx="1">
+            <a:schemeClr val="accent1"/>
+          </a:lnRef>
+          <a:fillRef idx="0">
+            <a:schemeClr val="accent1"/>
+          </a:fillRef>
+          <a:effectRef idx="0">
+            <a:schemeClr val="accent1"/>
+          </a:effectRef>
+          <a:fontRef idx="minor">
+            <a:schemeClr val="tx1"/>
+          </a:fontRef>
+        </p:style>
+      </p:cxnSp>
+      <p:cxnSp>
+        <p:nvCxnSpPr>
+          <p:cNvPr id="20" name="Straight Arrow Connector 19"/>
+          <p:cNvCxnSpPr/>
+          <p:nvPr/>
+        </p:nvCxnSpPr>
+        <p:spPr>
+          <a:xfrm>
+            <a:off x="10742611" y="4454279"/>
+            <a:ext cx="0" cy="1079500"/>
+          </a:xfrm>
+          <a:prstGeom prst="straightConnector1">
+            <a:avLst/>
+          </a:prstGeom>
+          <a:ln w="76200">
+            <a:solidFill>
+              <a:schemeClr val="tx1"/>
+            </a:solidFill>
+            <a:tailEnd type="triangle"/>
+          </a:ln>
+        </p:spPr>
+        <p:style>
+          <a:lnRef idx="1">
+            <a:schemeClr val="accent1"/>
+          </a:lnRef>
+          <a:fillRef idx="0">
+            <a:schemeClr val="accent1"/>
+          </a:fillRef>
+          <a:effectRef idx="0">
+            <a:schemeClr val="accent1"/>
+          </a:effectRef>
+          <a:fontRef idx="minor">
+            <a:schemeClr val="tx1"/>
+          </a:fontRef>
+        </p:style>
+      </p:cxnSp>
+      <p:sp>
+        <p:nvSpPr>
+          <p:cNvPr id="23" name="Rectangle 22"/>
+          <p:cNvSpPr/>
+          <p:nvPr/>
+        </p:nvSpPr>
+        <p:spPr>
+          <a:xfrm>
+            <a:off x="6684914" y="3835399"/>
+            <a:ext cx="532518" cy="369332"/>
+          </a:xfrm>
+          <a:prstGeom prst="rect">
+            <a:avLst/>
+          </a:prstGeom>
+        </p:spPr>
+        <p:txBody>
+          <a:bodyPr wrap="none">
+            <a:spAutoFit/>
+          </a:bodyPr>
+          <a:lstStyle/>
+          <a:p>
+            <a:pPr algn="ctr"/>
+            <a:r>
+              <a:rPr lang="en-US" dirty="0" smtClean="0"/>
+              <a:t>null</a:t>
+            </a:r>
+            <a:endParaRPr lang="en-US" dirty="0"/>
+          </a:p>
+        </p:txBody>
+      </p:sp>
+      <p:sp>
+        <p:nvSpPr>
+          <p:cNvPr id="24" name="Rectangle 23"/>
+          <p:cNvSpPr/>
+          <p:nvPr/>
+        </p:nvSpPr>
+        <p:spPr>
+          <a:xfrm>
+            <a:off x="8286583" y="3835399"/>
+            <a:ext cx="708848" cy="369332"/>
+          </a:xfrm>
+          <a:prstGeom prst="rect">
+            <a:avLst/>
+          </a:prstGeom>
+        </p:spPr>
+        <p:txBody>
+          <a:bodyPr wrap="none">
+            <a:spAutoFit/>
+          </a:bodyPr>
+          <a:lstStyle/>
+          <a:p>
+            <a:pPr algn="ctr"/>
+            <a:r>
+              <a:rPr lang="en-US" dirty="0" smtClean="0"/>
+              <a:t>blank</a:t>
+            </a:r>
+            <a:endParaRPr lang="en-US" dirty="0"/>
+          </a:p>
+        </p:txBody>
+      </p:sp>
+      <p:sp>
+        <p:nvSpPr>
+          <p:cNvPr id="25" name="Rectangle 24"/>
+          <p:cNvSpPr/>
+          <p:nvPr/>
+        </p:nvSpPr>
+        <p:spPr>
+          <a:xfrm>
+            <a:off x="9743620" y="2860093"/>
+            <a:ext cx="998991" cy="646331"/>
+          </a:xfrm>
+          <a:prstGeom prst="rect">
+            <a:avLst/>
+          </a:prstGeom>
+        </p:spPr>
+        <p:txBody>
+          <a:bodyPr wrap="none">
+            <a:spAutoFit/>
+          </a:bodyPr>
+          <a:lstStyle/>
+          <a:p>
+            <a:pPr algn="ctr"/>
+            <a:r>
+              <a:rPr lang="en-US" dirty="0" smtClean="0"/>
+              <a:t>!null and</a:t>
+            </a:r>
+            <a:endParaRPr lang="en-US" dirty="0"/>
+          </a:p>
+          <a:p>
+            <a:pPr algn="ctr"/>
+            <a:r>
+              <a:rPr lang="en-US" dirty="0" smtClean="0"/>
+              <a:t>!blank</a:t>
+            </a:r>
+            <a:endParaRPr lang="en-US" dirty="0"/>
           </a:p>
         </p:txBody>
       </p:sp>
@@ -6684,6 +7612,250 @@
   <p:clrMapOvr>
     <a:masterClrMapping/>
   </p:clrMapOvr>
+</p:sld>
+</file>
+
+<file path=ppt/slides/slide7.xml><?xml version="1.0" encoding="utf-8"?>
+<p:sld xmlns:a="http://schemas.openxmlformats.org/drawingml/2006/main" xmlns:r="http://schemas.openxmlformats.org/officeDocument/2006/relationships" xmlns:p="http://schemas.openxmlformats.org/presentationml/2006/main">
+  <p:cSld>
+    <p:spTree>
+      <p:nvGrpSpPr>
+        <p:cNvPr id="1" name=""/>
+        <p:cNvGrpSpPr/>
+        <p:nvPr/>
+      </p:nvGrpSpPr>
+      <p:grpSpPr>
+        <a:xfrm>
+          <a:off x="0" y="0"/>
+          <a:ext cx="0" cy="0"/>
+          <a:chOff x="0" y="0"/>
+          <a:chExt cx="0" cy="0"/>
+        </a:xfrm>
+      </p:grpSpPr>
+      <p:sp>
+        <p:nvSpPr>
+          <p:cNvPr id="2" name="Title 1"/>
+          <p:cNvSpPr>
+            <a:spLocks noGrp="1"/>
+          </p:cNvSpPr>
+          <p:nvPr>
+            <p:ph type="title"/>
+          </p:nvPr>
+        </p:nvSpPr>
+        <p:spPr>
+          <a:xfrm>
+            <a:off x="1484309" y="0"/>
+            <a:ext cx="10018713" cy="1752599"/>
+          </a:xfrm>
+        </p:spPr>
+        <p:txBody>
+          <a:bodyPr/>
+          <a:lstStyle/>
+          <a:p>
+            <a:r>
+              <a:rPr lang="en-US" dirty="0" err="1" smtClean="0">
+                <a:latin typeface="Arial Rounded MT Bold" charset="0"/>
+                <a:ea typeface="Arial Rounded MT Bold" charset="0"/>
+                <a:cs typeface="Arial Rounded MT Bold" charset="0"/>
+              </a:rPr>
+              <a:t>Whitebox</a:t>
+            </a:r>
+            <a:r>
+              <a:rPr lang="en-US" dirty="0" smtClean="0">
+                <a:latin typeface="Arial Rounded MT Bold" charset="0"/>
+                <a:ea typeface="Arial Rounded MT Bold" charset="0"/>
+                <a:cs typeface="Arial Rounded MT Bold" charset="0"/>
+              </a:rPr>
+              <a:t> Testing</a:t>
+            </a:r>
+            <a:endParaRPr lang="en-US" dirty="0">
+              <a:latin typeface="Arial Rounded MT Bold" charset="0"/>
+              <a:ea typeface="Arial Rounded MT Bold" charset="0"/>
+              <a:cs typeface="Arial Rounded MT Bold" charset="0"/>
+            </a:endParaRPr>
+          </a:p>
+        </p:txBody>
+      </p:sp>
+      <p:sp>
+        <p:nvSpPr>
+          <p:cNvPr id="3" name="Content Placeholder 2"/>
+          <p:cNvSpPr>
+            <a:spLocks noGrp="1"/>
+          </p:cNvSpPr>
+          <p:nvPr>
+            <p:ph idx="1"/>
+          </p:nvPr>
+        </p:nvSpPr>
+        <p:spPr>
+          <a:xfrm>
+            <a:off x="6337300" y="1424570"/>
+            <a:ext cx="4647108" cy="1683224"/>
+          </a:xfrm>
+        </p:spPr>
+        <p:txBody>
+          <a:bodyPr/>
+          <a:lstStyle/>
+          <a:p>
+            <a:pPr marL="0" indent="0">
+              <a:buNone/>
+            </a:pPr>
+            <a:r>
+              <a:rPr lang="en-US" dirty="0" smtClean="0"/>
+              <a:t>8 conditional statements, each checking two conditions =&gt; need 8*2 + 1 = 17 test cases</a:t>
+            </a:r>
+            <a:endParaRPr lang="en-US" dirty="0"/>
+          </a:p>
+        </p:txBody>
+      </p:sp>
+      <p:pic>
+        <p:nvPicPr>
+          <p:cNvPr id="5" name="Content Placeholder 3"/>
+          <p:cNvPicPr>
+            <a:picLocks noChangeAspect="1"/>
+          </p:cNvPicPr>
+          <p:nvPr/>
+        </p:nvPicPr>
+        <p:blipFill>
+          <a:blip r:embed="rId2"/>
+          <a:stretch>
+            <a:fillRect/>
+          </a:stretch>
+        </p:blipFill>
+        <p:spPr>
+          <a:xfrm>
+            <a:off x="1046327" y="1234070"/>
+            <a:ext cx="4954137" cy="5348218"/>
+          </a:xfrm>
+          <a:prstGeom prst="rect">
+            <a:avLst/>
+          </a:prstGeom>
+        </p:spPr>
+      </p:pic>
+      <p:pic>
+        <p:nvPicPr>
+          <p:cNvPr id="6" name="Picture 5"/>
+          <p:cNvPicPr>
+            <a:picLocks noChangeAspect="1"/>
+          </p:cNvPicPr>
+          <p:nvPr/>
+        </p:nvPicPr>
+        <p:blipFill>
+          <a:blip r:embed="rId3"/>
+          <a:stretch>
+            <a:fillRect/>
+          </a:stretch>
+        </p:blipFill>
+        <p:spPr>
+          <a:xfrm>
+            <a:off x="6653827" y="3239013"/>
+            <a:ext cx="3790950" cy="3343275"/>
+          </a:xfrm>
+          <a:prstGeom prst="rect">
+            <a:avLst/>
+          </a:prstGeom>
+        </p:spPr>
+      </p:pic>
+    </p:spTree>
+    <p:extLst>
+      <p:ext uri="{BB962C8B-B14F-4D97-AF65-F5344CB8AC3E}">
+        <p14:creationId xmlns:p14="http://schemas.microsoft.com/office/powerpoint/2010/main" val="1167731205"/>
+      </p:ext>
+    </p:extLst>
+  </p:cSld>
+  <p:clrMapOvr>
+    <a:masterClrMapping/>
+  </p:clrMapOvr>
+  <p:timing>
+    <p:tnLst>
+      <p:par>
+        <p:cTn id="1" dur="indefinite" restart="never" nodeType="tmRoot"/>
+      </p:par>
+    </p:tnLst>
+  </p:timing>
+</p:sld>
+</file>
+
+<file path=ppt/slides/slide8.xml><?xml version="1.0" encoding="utf-8"?>
+<p:sld xmlns:a="http://schemas.openxmlformats.org/drawingml/2006/main" xmlns:r="http://schemas.openxmlformats.org/officeDocument/2006/relationships" xmlns:p="http://schemas.openxmlformats.org/presentationml/2006/main">
+  <p:cSld>
+    <p:spTree>
+      <p:nvGrpSpPr>
+        <p:cNvPr id="1" name=""/>
+        <p:cNvGrpSpPr/>
+        <p:nvPr/>
+      </p:nvGrpSpPr>
+      <p:grpSpPr>
+        <a:xfrm>
+          <a:off x="0" y="0"/>
+          <a:ext cx="0" cy="0"/>
+          <a:chOff x="0" y="0"/>
+          <a:chExt cx="0" cy="0"/>
+        </a:xfrm>
+      </p:grpSpPr>
+      <p:pic>
+        <p:nvPicPr>
+          <p:cNvPr id="40" name="Picture 39"/>
+          <p:cNvPicPr>
+            <a:picLocks noChangeAspect="1"/>
+          </p:cNvPicPr>
+          <p:nvPr/>
+        </p:nvPicPr>
+        <p:blipFill rotWithShape="1">
+          <a:blip r:embed="rId2"/>
+          <a:srcRect t="499" b="-1"/>
+          <a:stretch/>
+        </p:blipFill>
+        <p:spPr>
+          <a:xfrm>
+            <a:off x="5938837" y="292100"/>
+            <a:ext cx="3743325" cy="6330950"/>
+          </a:xfrm>
+          <a:prstGeom prst="rect">
+            <a:avLst/>
+          </a:prstGeom>
+        </p:spPr>
+      </p:pic>
+      <p:pic>
+        <p:nvPicPr>
+          <p:cNvPr id="41" name="Picture 40"/>
+          <p:cNvPicPr>
+            <a:picLocks noChangeAspect="1"/>
+          </p:cNvPicPr>
+          <p:nvPr/>
+        </p:nvPicPr>
+        <p:blipFill>
+          <a:blip r:embed="rId3"/>
+          <a:stretch>
+            <a:fillRect/>
+          </a:stretch>
+        </p:blipFill>
+        <p:spPr>
+          <a:xfrm>
+            <a:off x="1624012" y="279400"/>
+            <a:ext cx="3609975" cy="6343650"/>
+          </a:xfrm>
+          <a:prstGeom prst="rect">
+            <a:avLst/>
+          </a:prstGeom>
+        </p:spPr>
+      </p:pic>
+    </p:spTree>
+    <p:extLst>
+      <p:ext uri="{BB962C8B-B14F-4D97-AF65-F5344CB8AC3E}">
+        <p14:creationId xmlns:p14="http://schemas.microsoft.com/office/powerpoint/2010/main" val="1852365133"/>
+      </p:ext>
+    </p:extLst>
+  </p:cSld>
+  <p:clrMapOvr>
+    <a:masterClrMapping/>
+  </p:clrMapOvr>
+  <p:timing>
+    <p:tnLst>
+      <p:par>
+        <p:cTn id="1" dur="indefinite" restart="never" nodeType="tmRoot"/>
+      </p:par>
+    </p:tnLst>
+  </p:timing>
 </p:sld>
 </file>
 
